--- a/docs/syllabus/week_07_Fishers_OR_Normal/Class2/Images/hypergeometric.pptx
+++ b/docs/syllabus/week_07_Fishers_OR_Normal/Class2/Images/hypergeometric.pptx
@@ -7,6 +7,8 @@
   <p:sldIdLst>
     <p:sldId id="256" r:id="rId2"/>
     <p:sldId id="257" r:id="rId3"/>
+    <p:sldId id="258" r:id="rId4"/>
+    <p:sldId id="259" r:id="rId5"/>
   </p:sldIdLst>
   <p:sldSz cx="12192000" cy="6858000"/>
   <p:notesSz cx="6858000" cy="9144000"/>
@@ -105,6 +107,11 @@
       </a:defRPr>
     </a:lvl9pPr>
   </p:defaultTextStyle>
+  <p:extLst>
+    <p:ext uri="{EFAFB233-063F-42B5-8137-9DF3F51BA10A}">
+      <p15:sldGuideLst xmlns:p15="http://schemas.microsoft.com/office/powerpoint/2012/main"/>
+    </p:ext>
+  </p:extLst>
 </p:presentation>
 </file>
 
@@ -257,7 +264,7 @@
           <a:p>
             <a:fld id="{028A26C1-0DFF-B545-8E4D-9659A1822D7E}" type="datetimeFigureOut">
               <a:rPr lang="en-AE" smtClean="0"/>
-              <a:t>28/10/2020</a:t>
+              <a:t>10/19/21</a:t>
             </a:fld>
             <a:endParaRPr lang="en-AE"/>
           </a:p>
@@ -457,7 +464,7 @@
           <a:p>
             <a:fld id="{028A26C1-0DFF-B545-8E4D-9659A1822D7E}" type="datetimeFigureOut">
               <a:rPr lang="en-AE" smtClean="0"/>
-              <a:t>28/10/2020</a:t>
+              <a:t>10/19/21</a:t>
             </a:fld>
             <a:endParaRPr lang="en-AE"/>
           </a:p>
@@ -667,7 +674,7 @@
           <a:p>
             <a:fld id="{028A26C1-0DFF-B545-8E4D-9659A1822D7E}" type="datetimeFigureOut">
               <a:rPr lang="en-AE" smtClean="0"/>
-              <a:t>28/10/2020</a:t>
+              <a:t>10/19/21</a:t>
             </a:fld>
             <a:endParaRPr lang="en-AE"/>
           </a:p>
@@ -867,7 +874,7 @@
           <a:p>
             <a:fld id="{028A26C1-0DFF-B545-8E4D-9659A1822D7E}" type="datetimeFigureOut">
               <a:rPr lang="en-AE" smtClean="0"/>
-              <a:t>28/10/2020</a:t>
+              <a:t>10/19/21</a:t>
             </a:fld>
             <a:endParaRPr lang="en-AE"/>
           </a:p>
@@ -1143,7 +1150,7 @@
           <a:p>
             <a:fld id="{028A26C1-0DFF-B545-8E4D-9659A1822D7E}" type="datetimeFigureOut">
               <a:rPr lang="en-AE" smtClean="0"/>
-              <a:t>28/10/2020</a:t>
+              <a:t>10/19/21</a:t>
             </a:fld>
             <a:endParaRPr lang="en-AE"/>
           </a:p>
@@ -1411,7 +1418,7 @@
           <a:p>
             <a:fld id="{028A26C1-0DFF-B545-8E4D-9659A1822D7E}" type="datetimeFigureOut">
               <a:rPr lang="en-AE" smtClean="0"/>
-              <a:t>28/10/2020</a:t>
+              <a:t>10/19/21</a:t>
             </a:fld>
             <a:endParaRPr lang="en-AE"/>
           </a:p>
@@ -1826,7 +1833,7 @@
           <a:p>
             <a:fld id="{028A26C1-0DFF-B545-8E4D-9659A1822D7E}" type="datetimeFigureOut">
               <a:rPr lang="en-AE" smtClean="0"/>
-              <a:t>28/10/2020</a:t>
+              <a:t>10/19/21</a:t>
             </a:fld>
             <a:endParaRPr lang="en-AE"/>
           </a:p>
@@ -1968,7 +1975,7 @@
           <a:p>
             <a:fld id="{028A26C1-0DFF-B545-8E4D-9659A1822D7E}" type="datetimeFigureOut">
               <a:rPr lang="en-AE" smtClean="0"/>
-              <a:t>28/10/2020</a:t>
+              <a:t>10/19/21</a:t>
             </a:fld>
             <a:endParaRPr lang="en-AE"/>
           </a:p>
@@ -2081,7 +2088,7 @@
           <a:p>
             <a:fld id="{028A26C1-0DFF-B545-8E4D-9659A1822D7E}" type="datetimeFigureOut">
               <a:rPr lang="en-AE" smtClean="0"/>
-              <a:t>28/10/2020</a:t>
+              <a:t>10/19/21</a:t>
             </a:fld>
             <a:endParaRPr lang="en-AE"/>
           </a:p>
@@ -2394,7 +2401,7 @@
           <a:p>
             <a:fld id="{028A26C1-0DFF-B545-8E4D-9659A1822D7E}" type="datetimeFigureOut">
               <a:rPr lang="en-AE" smtClean="0"/>
-              <a:t>28/10/2020</a:t>
+              <a:t>10/19/21</a:t>
             </a:fld>
             <a:endParaRPr lang="en-AE"/>
           </a:p>
@@ -2683,7 +2690,7 @@
           <a:p>
             <a:fld id="{028A26C1-0DFF-B545-8E4D-9659A1822D7E}" type="datetimeFigureOut">
               <a:rPr lang="en-AE" smtClean="0"/>
-              <a:t>28/10/2020</a:t>
+              <a:t>10/19/21</a:t>
             </a:fld>
             <a:endParaRPr lang="en-AE"/>
           </a:p>
@@ -2926,7 +2933,7 @@
           <a:p>
             <a:fld id="{028A26C1-0DFF-B545-8E4D-9659A1822D7E}" type="datetimeFigureOut">
               <a:rPr lang="en-AE" smtClean="0"/>
-              <a:t>28/10/2020</a:t>
+              <a:t>10/19/21</a:t>
             </a:fld>
             <a:endParaRPr lang="en-AE"/>
           </a:p>
@@ -5381,6 +5388,1956 @@
 </p:sld>
 </file>
 
+<file path=ppt/slides/slide3.xml><?xml version="1.0" encoding="utf-8"?>
+<p:sld xmlns:a="http://schemas.openxmlformats.org/drawingml/2006/main" xmlns:r="http://schemas.openxmlformats.org/officeDocument/2006/relationships" xmlns:p="http://schemas.openxmlformats.org/presentationml/2006/main">
+  <p:cSld>
+    <p:spTree>
+      <p:nvGrpSpPr>
+        <p:cNvPr id="1" name=""/>
+        <p:cNvGrpSpPr/>
+        <p:nvPr/>
+      </p:nvGrpSpPr>
+      <p:grpSpPr>
+        <a:xfrm>
+          <a:off x="0" y="0"/>
+          <a:ext cx="0" cy="0"/>
+          <a:chOff x="0" y="0"/>
+          <a:chExt cx="0" cy="0"/>
+        </a:xfrm>
+      </p:grpSpPr>
+      <p:grpSp>
+        <p:nvGrpSpPr>
+          <p:cNvPr id="31" name="Group 30">
+            <a:extLst>
+              <a:ext uri="{FF2B5EF4-FFF2-40B4-BE49-F238E27FC236}">
+                <a16:creationId xmlns:a16="http://schemas.microsoft.com/office/drawing/2014/main" id="{89008D81-FEFF-F84A-B7D2-832D9A804B35}"/>
+              </a:ext>
+            </a:extLst>
+          </p:cNvPr>
+          <p:cNvGrpSpPr/>
+          <p:nvPr/>
+        </p:nvGrpSpPr>
+        <p:grpSpPr>
+          <a:xfrm>
+            <a:off x="2735036" y="1494065"/>
+            <a:ext cx="6776357" cy="4082142"/>
+            <a:chOff x="2735036" y="1494065"/>
+            <a:chExt cx="6776357" cy="4082142"/>
+          </a:xfrm>
+        </p:grpSpPr>
+        <p:sp>
+          <p:nvSpPr>
+            <p:cNvPr id="4" name="Rounded Rectangle 3">
+              <a:extLst>
+                <a:ext uri="{FF2B5EF4-FFF2-40B4-BE49-F238E27FC236}">
+                  <a16:creationId xmlns:a16="http://schemas.microsoft.com/office/drawing/2014/main" id="{E9E4AF4D-DF1E-DE47-A5DD-E8677806FA91}"/>
+                </a:ext>
+              </a:extLst>
+            </p:cNvPr>
+            <p:cNvSpPr/>
+            <p:nvPr/>
+          </p:nvSpPr>
+          <p:spPr>
+            <a:xfrm>
+              <a:off x="2735036" y="1494065"/>
+              <a:ext cx="6776357" cy="4082142"/>
+            </a:xfrm>
+            <a:prstGeom prst="roundRect">
+              <a:avLst>
+                <a:gd name="adj" fmla="val 9538"/>
+              </a:avLst>
+            </a:prstGeom>
+            <a:noFill/>
+            <a:ln w="38100"/>
+          </p:spPr>
+          <p:style>
+            <a:lnRef idx="2">
+              <a:schemeClr val="accent1">
+                <a:shade val="50000"/>
+              </a:schemeClr>
+            </a:lnRef>
+            <a:fillRef idx="1">
+              <a:schemeClr val="accent1"/>
+            </a:fillRef>
+            <a:effectRef idx="0">
+              <a:schemeClr val="accent1"/>
+            </a:effectRef>
+            <a:fontRef idx="minor">
+              <a:schemeClr val="lt1"/>
+            </a:fontRef>
+          </p:style>
+          <p:txBody>
+            <a:bodyPr rtlCol="0" anchor="ctr"/>
+            <a:lstStyle/>
+            <a:p>
+              <a:pPr algn="ctr"/>
+              <a:endParaRPr lang="en-AE"/>
+            </a:p>
+          </p:txBody>
+        </p:sp>
+        <p:sp>
+          <p:nvSpPr>
+            <p:cNvPr id="5" name="TextBox 4">
+              <a:extLst>
+                <a:ext uri="{FF2B5EF4-FFF2-40B4-BE49-F238E27FC236}">
+                  <a16:creationId xmlns:a16="http://schemas.microsoft.com/office/drawing/2014/main" id="{9B7561E2-2836-9D45-ABCB-2E43C7AA0CBE}"/>
+                </a:ext>
+              </a:extLst>
+            </p:cNvPr>
+            <p:cNvSpPr txBox="1"/>
+            <p:nvPr/>
+          </p:nvSpPr>
+          <p:spPr>
+            <a:xfrm>
+              <a:off x="2890158" y="1494065"/>
+              <a:ext cx="1789272" cy="646331"/>
+            </a:xfrm>
+            <a:prstGeom prst="rect">
+              <a:avLst/>
+            </a:prstGeom>
+            <a:noFill/>
+          </p:spPr>
+          <p:txBody>
+            <a:bodyPr wrap="none" rtlCol="0">
+              <a:spAutoFit/>
+            </a:bodyPr>
+            <a:lstStyle/>
+            <a:p>
+              <a:r>
+                <a:rPr lang="en-AE" sz="3600" dirty="0">
+                  <a:solidFill>
+                    <a:schemeClr val="accent1">
+                      <a:lumMod val="75000"/>
+                    </a:schemeClr>
+                  </a:solidFill>
+                </a:rPr>
+                <a:t>Genome</a:t>
+              </a:r>
+            </a:p>
+          </p:txBody>
+        </p:sp>
+        <p:sp>
+          <p:nvSpPr>
+            <p:cNvPr id="6" name="Oval 5">
+              <a:extLst>
+                <a:ext uri="{FF2B5EF4-FFF2-40B4-BE49-F238E27FC236}">
+                  <a16:creationId xmlns:a16="http://schemas.microsoft.com/office/drawing/2014/main" id="{7740A876-D8A4-9F4B-A42D-E654AD375A77}"/>
+                </a:ext>
+              </a:extLst>
+            </p:cNvPr>
+            <p:cNvSpPr/>
+            <p:nvPr/>
+          </p:nvSpPr>
+          <p:spPr>
+            <a:xfrm>
+              <a:off x="3739242" y="2579914"/>
+              <a:ext cx="2473779" cy="2000250"/>
+            </a:xfrm>
+            <a:prstGeom prst="ellipse">
+              <a:avLst/>
+            </a:prstGeom>
+            <a:solidFill>
+              <a:srgbClr val="7030A0">
+                <a:alpha val="25882"/>
+              </a:srgbClr>
+            </a:solidFill>
+          </p:spPr>
+          <p:style>
+            <a:lnRef idx="2">
+              <a:schemeClr val="accent1">
+                <a:shade val="50000"/>
+              </a:schemeClr>
+            </a:lnRef>
+            <a:fillRef idx="1">
+              <a:schemeClr val="accent1"/>
+            </a:fillRef>
+            <a:effectRef idx="0">
+              <a:schemeClr val="accent1"/>
+            </a:effectRef>
+            <a:fontRef idx="minor">
+              <a:schemeClr val="lt1"/>
+            </a:fontRef>
+          </p:style>
+          <p:txBody>
+            <a:bodyPr rtlCol="0" anchor="ctr"/>
+            <a:lstStyle/>
+            <a:p>
+              <a:pPr algn="ctr"/>
+              <a:endParaRPr lang="en-AE" dirty="0"/>
+            </a:p>
+          </p:txBody>
+        </p:sp>
+        <p:sp>
+          <p:nvSpPr>
+            <p:cNvPr id="7" name="Oval 6">
+              <a:extLst>
+                <a:ext uri="{FF2B5EF4-FFF2-40B4-BE49-F238E27FC236}">
+                  <a16:creationId xmlns:a16="http://schemas.microsoft.com/office/drawing/2014/main" id="{19BDCAEB-6EF0-C346-B803-5F6BB36CA74D}"/>
+                </a:ext>
+              </a:extLst>
+            </p:cNvPr>
+            <p:cNvSpPr/>
+            <p:nvPr/>
+          </p:nvSpPr>
+          <p:spPr>
+            <a:xfrm>
+              <a:off x="5049609" y="2334986"/>
+              <a:ext cx="3163661" cy="2457450"/>
+            </a:xfrm>
+            <a:prstGeom prst="ellipse">
+              <a:avLst/>
+            </a:prstGeom>
+            <a:solidFill>
+              <a:schemeClr val="accent2">
+                <a:lumMod val="60000"/>
+                <a:lumOff val="40000"/>
+                <a:alpha val="25882"/>
+              </a:schemeClr>
+            </a:solidFill>
+          </p:spPr>
+          <p:style>
+            <a:lnRef idx="2">
+              <a:schemeClr val="accent1">
+                <a:shade val="50000"/>
+              </a:schemeClr>
+            </a:lnRef>
+            <a:fillRef idx="1">
+              <a:schemeClr val="accent1"/>
+            </a:fillRef>
+            <a:effectRef idx="0">
+              <a:schemeClr val="accent1"/>
+            </a:effectRef>
+            <a:fontRef idx="minor">
+              <a:schemeClr val="lt1"/>
+            </a:fontRef>
+          </p:style>
+          <p:txBody>
+            <a:bodyPr rtlCol="0" anchor="ctr"/>
+            <a:lstStyle/>
+            <a:p>
+              <a:pPr algn="ctr"/>
+              <a:endParaRPr lang="en-AE"/>
+            </a:p>
+          </p:txBody>
+        </p:sp>
+        <p:sp>
+          <p:nvSpPr>
+            <p:cNvPr id="10" name="Oval 9">
+              <a:extLst>
+                <a:ext uri="{FF2B5EF4-FFF2-40B4-BE49-F238E27FC236}">
+                  <a16:creationId xmlns:a16="http://schemas.microsoft.com/office/drawing/2014/main" id="{F5AD7967-63A9-2241-91AA-F619DEC6F26B}"/>
+                </a:ext>
+              </a:extLst>
+            </p:cNvPr>
+            <p:cNvSpPr/>
+            <p:nvPr/>
+          </p:nvSpPr>
+          <p:spPr>
+            <a:xfrm>
+              <a:off x="3739241" y="2579914"/>
+              <a:ext cx="2473779" cy="2000250"/>
+            </a:xfrm>
+            <a:prstGeom prst="ellipse">
+              <a:avLst/>
+            </a:prstGeom>
+            <a:noFill/>
+          </p:spPr>
+          <p:style>
+            <a:lnRef idx="2">
+              <a:schemeClr val="accent1">
+                <a:shade val="50000"/>
+              </a:schemeClr>
+            </a:lnRef>
+            <a:fillRef idx="1">
+              <a:schemeClr val="accent1"/>
+            </a:fillRef>
+            <a:effectRef idx="0">
+              <a:schemeClr val="accent1"/>
+            </a:effectRef>
+            <a:fontRef idx="minor">
+              <a:schemeClr val="lt1"/>
+            </a:fontRef>
+          </p:style>
+          <p:txBody>
+            <a:bodyPr rtlCol="0" anchor="ctr"/>
+            <a:lstStyle/>
+            <a:p>
+              <a:pPr algn="ctr"/>
+              <a:endParaRPr lang="en-AE"/>
+            </a:p>
+          </p:txBody>
+        </p:sp>
+        <p:sp>
+          <p:nvSpPr>
+            <p:cNvPr id="11" name="TextBox 10">
+              <a:extLst>
+                <a:ext uri="{FF2B5EF4-FFF2-40B4-BE49-F238E27FC236}">
+                  <a16:creationId xmlns:a16="http://schemas.microsoft.com/office/drawing/2014/main" id="{204FCF28-833B-4F47-803E-E82FA0E3C089}"/>
+                </a:ext>
+              </a:extLst>
+            </p:cNvPr>
+            <p:cNvSpPr txBox="1"/>
+            <p:nvPr/>
+          </p:nvSpPr>
+          <p:spPr>
+            <a:xfrm>
+              <a:off x="3209988" y="2150778"/>
+              <a:ext cx="487634" cy="646331"/>
+            </a:xfrm>
+            <a:prstGeom prst="rect">
+              <a:avLst/>
+            </a:prstGeom>
+            <a:noFill/>
+          </p:spPr>
+          <p:txBody>
+            <a:bodyPr wrap="none" rtlCol="0">
+              <a:spAutoFit/>
+            </a:bodyPr>
+            <a:lstStyle/>
+            <a:p>
+              <a:r>
+                <a:rPr lang="en-AE" sz="3600" b="1" i="1" dirty="0"/>
+                <a:t>N</a:t>
+              </a:r>
+            </a:p>
+          </p:txBody>
+        </p:sp>
+        <p:sp>
+          <p:nvSpPr>
+            <p:cNvPr id="13" name="TextBox 12">
+              <a:extLst>
+                <a:ext uri="{FF2B5EF4-FFF2-40B4-BE49-F238E27FC236}">
+                  <a16:creationId xmlns:a16="http://schemas.microsoft.com/office/drawing/2014/main" id="{A6350C18-C5E3-D64E-B8C2-EF23EE4495CD}"/>
+                </a:ext>
+              </a:extLst>
+            </p:cNvPr>
+            <p:cNvSpPr txBox="1"/>
+            <p:nvPr/>
+          </p:nvSpPr>
+          <p:spPr>
+            <a:xfrm>
+              <a:off x="5081035" y="3098623"/>
+              <a:ext cx="1047082" cy="646331"/>
+            </a:xfrm>
+            <a:prstGeom prst="rect">
+              <a:avLst/>
+            </a:prstGeom>
+            <a:noFill/>
+          </p:spPr>
+          <p:txBody>
+            <a:bodyPr wrap="none" rtlCol="0">
+              <a:spAutoFit/>
+            </a:bodyPr>
+            <a:lstStyle/>
+            <a:p>
+              <a:r>
+                <a:rPr lang="en-AE" sz="3600" b="1" i="1" dirty="0"/>
+                <a:t>A∩B</a:t>
+              </a:r>
+            </a:p>
+          </p:txBody>
+        </p:sp>
+        <p:sp>
+          <p:nvSpPr>
+            <p:cNvPr id="14" name="TextBox 13">
+              <a:extLst>
+                <a:ext uri="{FF2B5EF4-FFF2-40B4-BE49-F238E27FC236}">
+                  <a16:creationId xmlns:a16="http://schemas.microsoft.com/office/drawing/2014/main" id="{3D421BD7-CA8D-904D-8BC5-A1E05C37D850}"/>
+                </a:ext>
+              </a:extLst>
+            </p:cNvPr>
+            <p:cNvSpPr txBox="1"/>
+            <p:nvPr/>
+          </p:nvSpPr>
+          <p:spPr>
+            <a:xfrm>
+              <a:off x="6445996" y="3173929"/>
+              <a:ext cx="442750" cy="646331"/>
+            </a:xfrm>
+            <a:prstGeom prst="rect">
+              <a:avLst/>
+            </a:prstGeom>
+            <a:noFill/>
+          </p:spPr>
+          <p:txBody>
+            <a:bodyPr wrap="none" rtlCol="0">
+              <a:spAutoFit/>
+            </a:bodyPr>
+            <a:lstStyle/>
+            <a:p>
+              <a:r>
+                <a:rPr lang="en-AE" sz="3600" b="1" i="1" dirty="0"/>
+                <a:t>B</a:t>
+              </a:r>
+            </a:p>
+          </p:txBody>
+        </p:sp>
+        <p:sp>
+          <p:nvSpPr>
+            <p:cNvPr id="15" name="TextBox 14">
+              <a:extLst>
+                <a:ext uri="{FF2B5EF4-FFF2-40B4-BE49-F238E27FC236}">
+                  <a16:creationId xmlns:a16="http://schemas.microsoft.com/office/drawing/2014/main" id="{0C8DDF9E-A6D2-4247-A055-E370E424D8D3}"/>
+                </a:ext>
+              </a:extLst>
+            </p:cNvPr>
+            <p:cNvSpPr txBox="1"/>
+            <p:nvPr/>
+          </p:nvSpPr>
+          <p:spPr>
+            <a:xfrm>
+              <a:off x="4327282" y="3173929"/>
+              <a:ext cx="465192" cy="646331"/>
+            </a:xfrm>
+            <a:prstGeom prst="rect">
+              <a:avLst/>
+            </a:prstGeom>
+            <a:noFill/>
+          </p:spPr>
+          <p:txBody>
+            <a:bodyPr wrap="none" rtlCol="0">
+              <a:spAutoFit/>
+            </a:bodyPr>
+            <a:lstStyle/>
+            <a:p>
+              <a:r>
+                <a:rPr lang="en-AE" sz="3600" b="1" i="1" dirty="0"/>
+                <a:t>A</a:t>
+              </a:r>
+            </a:p>
+          </p:txBody>
+        </p:sp>
+        <p:sp>
+          <p:nvSpPr>
+            <p:cNvPr id="18" name="TextBox 17">
+              <a:extLst>
+                <a:ext uri="{FF2B5EF4-FFF2-40B4-BE49-F238E27FC236}">
+                  <a16:creationId xmlns:a16="http://schemas.microsoft.com/office/drawing/2014/main" id="{C204DE20-3BE1-6843-82B8-8A80FC74B90C}"/>
+                </a:ext>
+              </a:extLst>
+            </p:cNvPr>
+            <p:cNvSpPr txBox="1"/>
+            <p:nvPr/>
+          </p:nvSpPr>
+          <p:spPr>
+            <a:xfrm>
+              <a:off x="5405132" y="3607659"/>
+              <a:ext cx="530915" cy="461665"/>
+            </a:xfrm>
+            <a:prstGeom prst="rect">
+              <a:avLst/>
+            </a:prstGeom>
+            <a:noFill/>
+          </p:spPr>
+          <p:txBody>
+            <a:bodyPr wrap="none" rtlCol="0">
+              <a:spAutoFit/>
+            </a:bodyPr>
+            <a:lstStyle/>
+            <a:p>
+              <a:r>
+                <a:rPr lang="en-US" sz="2400" dirty="0">
+                  <a:solidFill>
+                    <a:srgbClr val="FF0000"/>
+                  </a:solidFill>
+                </a:rPr>
+                <a:t>(</a:t>
+              </a:r>
+              <a:r>
+                <a:rPr lang="en-AE" sz="2400" b="1">
+                  <a:solidFill>
+                    <a:srgbClr val="FF0000"/>
+                  </a:solidFill>
+                  <a:latin typeface="APPLE CHANCERY" panose="03020702040506060504" pitchFamily="66" charset="-79"/>
+                  <a:cs typeface="APPLE CHANCERY" panose="03020702040506060504" pitchFamily="66" charset="-79"/>
+                </a:rPr>
+                <a:t>x</a:t>
+              </a:r>
+              <a:r>
+                <a:rPr lang="en-US" sz="2400" dirty="0">
+                  <a:solidFill>
+                    <a:srgbClr val="FF0000"/>
+                  </a:solidFill>
+                </a:rPr>
+                <a:t>)</a:t>
+              </a:r>
+              <a:endParaRPr lang="en-AE" sz="2400" dirty="0">
+                <a:solidFill>
+                  <a:srgbClr val="FF0000"/>
+                </a:solidFill>
+              </a:endParaRPr>
+            </a:p>
+          </p:txBody>
+        </p:sp>
+        <p:sp>
+          <p:nvSpPr>
+            <p:cNvPr id="21" name="TextBox 20">
+              <a:extLst>
+                <a:ext uri="{FF2B5EF4-FFF2-40B4-BE49-F238E27FC236}">
+                  <a16:creationId xmlns:a16="http://schemas.microsoft.com/office/drawing/2014/main" id="{902DE9CE-4793-2A46-8AFA-C6C63228A4DC}"/>
+                </a:ext>
+              </a:extLst>
+            </p:cNvPr>
+            <p:cNvSpPr txBox="1"/>
+            <p:nvPr/>
+          </p:nvSpPr>
+          <p:spPr>
+            <a:xfrm>
+              <a:off x="3247392" y="4744930"/>
+              <a:ext cx="1935082" cy="707886"/>
+            </a:xfrm>
+            <a:prstGeom prst="rect">
+              <a:avLst/>
+            </a:prstGeom>
+            <a:noFill/>
+          </p:spPr>
+          <p:txBody>
+            <a:bodyPr wrap="none" rtlCol="0">
+              <a:spAutoFit/>
+            </a:bodyPr>
+            <a:lstStyle/>
+            <a:p>
+              <a:pPr algn="ctr"/>
+              <a:r>
+                <a:rPr lang="en-US" sz="2000" b="1" dirty="0">
+                  <a:solidFill>
+                    <a:schemeClr val="accent1">
+                      <a:lumMod val="75000"/>
+                    </a:schemeClr>
+                  </a:solidFill>
+                </a:rPr>
+                <a:t>Differentially</a:t>
+              </a:r>
+            </a:p>
+            <a:p>
+              <a:pPr algn="ctr"/>
+              <a:r>
+                <a:rPr lang="en-US" sz="2000" b="1" dirty="0">
+                  <a:solidFill>
+                    <a:schemeClr val="accent1">
+                      <a:lumMod val="75000"/>
+                    </a:schemeClr>
+                  </a:solidFill>
+                </a:rPr>
+                <a:t>expressed genes</a:t>
+              </a:r>
+              <a:endParaRPr lang="en-AE" sz="2000" b="1" dirty="0">
+                <a:solidFill>
+                  <a:schemeClr val="accent1">
+                    <a:lumMod val="75000"/>
+                  </a:schemeClr>
+                </a:solidFill>
+              </a:endParaRPr>
+            </a:p>
+          </p:txBody>
+        </p:sp>
+        <p:sp>
+          <p:nvSpPr>
+            <p:cNvPr id="22" name="TextBox 21">
+              <a:extLst>
+                <a:ext uri="{FF2B5EF4-FFF2-40B4-BE49-F238E27FC236}">
+                  <a16:creationId xmlns:a16="http://schemas.microsoft.com/office/drawing/2014/main" id="{86CE2EF6-5F4E-EF43-9F8F-311A7054380B}"/>
+                </a:ext>
+              </a:extLst>
+            </p:cNvPr>
+            <p:cNvSpPr txBox="1"/>
+            <p:nvPr/>
+          </p:nvSpPr>
+          <p:spPr>
+            <a:xfrm>
+              <a:off x="6667553" y="4903365"/>
+              <a:ext cx="2351991" cy="400110"/>
+            </a:xfrm>
+            <a:prstGeom prst="rect">
+              <a:avLst/>
+            </a:prstGeom>
+            <a:noFill/>
+          </p:spPr>
+          <p:txBody>
+            <a:bodyPr wrap="none" rtlCol="0">
+              <a:spAutoFit/>
+            </a:bodyPr>
+            <a:lstStyle/>
+            <a:p>
+              <a:r>
+                <a:rPr lang="en-AE" sz="2000" b="1" dirty="0">
+                  <a:solidFill>
+                    <a:schemeClr val="accent1">
+                      <a:lumMod val="75000"/>
+                    </a:schemeClr>
+                  </a:solidFill>
+                </a:rPr>
+                <a:t>Genes with GO term</a:t>
+              </a:r>
+            </a:p>
+          </p:txBody>
+        </p:sp>
+        <p:cxnSp>
+          <p:nvCxnSpPr>
+            <p:cNvPr id="24" name="Straight Arrow Connector 23">
+              <a:extLst>
+                <a:ext uri="{FF2B5EF4-FFF2-40B4-BE49-F238E27FC236}">
+                  <a16:creationId xmlns:a16="http://schemas.microsoft.com/office/drawing/2014/main" id="{1511C3C6-91A5-AB4B-9733-0CF991F8DCA8}"/>
+                </a:ext>
+              </a:extLst>
+            </p:cNvPr>
+            <p:cNvCxnSpPr>
+              <a:cxnSpLocks/>
+              <a:stCxn id="21" idx="0"/>
+            </p:cNvCxnSpPr>
+            <p:nvPr/>
+          </p:nvCxnSpPr>
+          <p:spPr>
+            <a:xfrm flipV="1">
+              <a:off x="4214933" y="4117254"/>
+              <a:ext cx="352293" cy="627676"/>
+            </a:xfrm>
+            <a:prstGeom prst="straightConnector1">
+              <a:avLst/>
+            </a:prstGeom>
+            <a:ln w="38100">
+              <a:tailEnd type="triangle"/>
+            </a:ln>
+          </p:spPr>
+          <p:style>
+            <a:lnRef idx="1">
+              <a:schemeClr val="accent1"/>
+            </a:lnRef>
+            <a:fillRef idx="0">
+              <a:schemeClr val="accent1"/>
+            </a:fillRef>
+            <a:effectRef idx="0">
+              <a:schemeClr val="accent1"/>
+            </a:effectRef>
+            <a:fontRef idx="minor">
+              <a:schemeClr val="tx1"/>
+            </a:fontRef>
+          </p:style>
+        </p:cxnSp>
+        <p:cxnSp>
+          <p:nvCxnSpPr>
+            <p:cNvPr id="26" name="Straight Arrow Connector 25">
+              <a:extLst>
+                <a:ext uri="{FF2B5EF4-FFF2-40B4-BE49-F238E27FC236}">
+                  <a16:creationId xmlns:a16="http://schemas.microsoft.com/office/drawing/2014/main" id="{A37FE2FB-79A6-C74C-9C9E-9DA6DAF3E513}"/>
+                </a:ext>
+              </a:extLst>
+            </p:cNvPr>
+            <p:cNvCxnSpPr>
+              <a:cxnSpLocks/>
+              <a:stCxn id="22" idx="0"/>
+            </p:cNvCxnSpPr>
+            <p:nvPr/>
+          </p:nvCxnSpPr>
+          <p:spPr>
+            <a:xfrm flipH="1" flipV="1">
+              <a:off x="7382319" y="4275689"/>
+              <a:ext cx="461230" cy="627676"/>
+            </a:xfrm>
+            <a:prstGeom prst="straightConnector1">
+              <a:avLst/>
+            </a:prstGeom>
+            <a:ln w="38100">
+              <a:tailEnd type="triangle"/>
+            </a:ln>
+          </p:spPr>
+          <p:style>
+            <a:lnRef idx="1">
+              <a:schemeClr val="accent1"/>
+            </a:lnRef>
+            <a:fillRef idx="0">
+              <a:schemeClr val="accent1"/>
+            </a:fillRef>
+            <a:effectRef idx="0">
+              <a:schemeClr val="accent1"/>
+            </a:effectRef>
+            <a:fontRef idx="minor">
+              <a:schemeClr val="tx1"/>
+            </a:fontRef>
+          </p:style>
+        </p:cxnSp>
+      </p:grpSp>
+    </p:spTree>
+    <p:extLst>
+      <p:ext uri="{BB962C8B-B14F-4D97-AF65-F5344CB8AC3E}">
+        <p14:creationId xmlns:p14="http://schemas.microsoft.com/office/powerpoint/2010/main" val="3504284759"/>
+      </p:ext>
+    </p:extLst>
+  </p:cSld>
+  <p:clrMapOvr>
+    <a:masterClrMapping/>
+  </p:clrMapOvr>
+</p:sld>
+</file>
+
+<file path=ppt/slides/slide4.xml><?xml version="1.0" encoding="utf-8"?>
+<p:sld xmlns:a="http://schemas.openxmlformats.org/drawingml/2006/main" xmlns:r="http://schemas.openxmlformats.org/officeDocument/2006/relationships" xmlns:p="http://schemas.openxmlformats.org/presentationml/2006/main">
+  <p:cSld>
+    <p:spTree>
+      <p:nvGrpSpPr>
+        <p:cNvPr id="1" name=""/>
+        <p:cNvGrpSpPr/>
+        <p:nvPr/>
+      </p:nvGrpSpPr>
+      <p:grpSpPr>
+        <a:xfrm>
+          <a:off x="0" y="0"/>
+          <a:ext cx="0" cy="0"/>
+          <a:chOff x="0" y="0"/>
+          <a:chExt cx="0" cy="0"/>
+        </a:xfrm>
+      </p:grpSpPr>
+      <p:grpSp>
+        <p:nvGrpSpPr>
+          <p:cNvPr id="11" name="Group 10">
+            <a:extLst>
+              <a:ext uri="{FF2B5EF4-FFF2-40B4-BE49-F238E27FC236}">
+                <a16:creationId xmlns:a16="http://schemas.microsoft.com/office/drawing/2014/main" id="{32849EFD-6A38-D34D-A2AD-C69DB141B3E1}"/>
+              </a:ext>
+            </a:extLst>
+          </p:cNvPr>
+          <p:cNvGrpSpPr/>
+          <p:nvPr/>
+        </p:nvGrpSpPr>
+        <p:grpSpPr>
+          <a:xfrm>
+            <a:off x="503583" y="179508"/>
+            <a:ext cx="11308268" cy="6471144"/>
+            <a:chOff x="503583" y="179508"/>
+            <a:chExt cx="11308268" cy="6471144"/>
+          </a:xfrm>
+        </p:grpSpPr>
+        <p:sp>
+          <p:nvSpPr>
+            <p:cNvPr id="4" name="Rounded Rectangle 3">
+              <a:extLst>
+                <a:ext uri="{FF2B5EF4-FFF2-40B4-BE49-F238E27FC236}">
+                  <a16:creationId xmlns:a16="http://schemas.microsoft.com/office/drawing/2014/main" id="{E9E4AF4D-DF1E-DE47-A5DD-E8677806FA91}"/>
+                </a:ext>
+              </a:extLst>
+            </p:cNvPr>
+            <p:cNvSpPr/>
+            <p:nvPr/>
+          </p:nvSpPr>
+          <p:spPr>
+            <a:xfrm>
+              <a:off x="709341" y="179508"/>
+              <a:ext cx="4923065" cy="2965701"/>
+            </a:xfrm>
+            <a:prstGeom prst="roundRect">
+              <a:avLst>
+                <a:gd name="adj" fmla="val 9538"/>
+              </a:avLst>
+            </a:prstGeom>
+            <a:solidFill>
+              <a:srgbClr val="F9F8F9"/>
+            </a:solidFill>
+            <a:ln w="38100"/>
+          </p:spPr>
+          <p:style>
+            <a:lnRef idx="2">
+              <a:schemeClr val="accent1">
+                <a:shade val="50000"/>
+              </a:schemeClr>
+            </a:lnRef>
+            <a:fillRef idx="1">
+              <a:schemeClr val="accent1"/>
+            </a:fillRef>
+            <a:effectRef idx="0">
+              <a:schemeClr val="accent1"/>
+            </a:effectRef>
+            <a:fontRef idx="minor">
+              <a:schemeClr val="lt1"/>
+            </a:fontRef>
+          </p:style>
+          <p:txBody>
+            <a:bodyPr rtlCol="0" anchor="ctr"/>
+            <a:lstStyle/>
+            <a:p>
+              <a:pPr algn="ctr"/>
+              <a:endParaRPr lang="en-AE" sz="1200"/>
+            </a:p>
+          </p:txBody>
+        </p:sp>
+        <p:sp>
+          <p:nvSpPr>
+            <p:cNvPr id="7" name="Oval 6">
+              <a:extLst>
+                <a:ext uri="{FF2B5EF4-FFF2-40B4-BE49-F238E27FC236}">
+                  <a16:creationId xmlns:a16="http://schemas.microsoft.com/office/drawing/2014/main" id="{19BDCAEB-6EF0-C346-B803-5F6BB36CA74D}"/>
+                </a:ext>
+              </a:extLst>
+            </p:cNvPr>
+            <p:cNvSpPr/>
+            <p:nvPr/>
+          </p:nvSpPr>
+          <p:spPr>
+            <a:xfrm>
+              <a:off x="2390893" y="790442"/>
+              <a:ext cx="2298419" cy="1785352"/>
+            </a:xfrm>
+            <a:prstGeom prst="ellipse">
+              <a:avLst/>
+            </a:prstGeom>
+            <a:solidFill>
+              <a:srgbClr val="FDB788">
+                <a:alpha val="25098"/>
+              </a:srgbClr>
+            </a:solidFill>
+          </p:spPr>
+          <p:style>
+            <a:lnRef idx="2">
+              <a:schemeClr val="accent1">
+                <a:shade val="50000"/>
+              </a:schemeClr>
+            </a:lnRef>
+            <a:fillRef idx="1">
+              <a:schemeClr val="accent1"/>
+            </a:fillRef>
+            <a:effectRef idx="0">
+              <a:schemeClr val="accent1"/>
+            </a:effectRef>
+            <a:fontRef idx="minor">
+              <a:schemeClr val="lt1"/>
+            </a:fontRef>
+          </p:style>
+          <p:txBody>
+            <a:bodyPr rtlCol="0" anchor="ctr"/>
+            <a:lstStyle/>
+            <a:p>
+              <a:pPr algn="ctr"/>
+              <a:endParaRPr lang="en-AE" sz="1200"/>
+            </a:p>
+          </p:txBody>
+        </p:sp>
+        <p:grpSp>
+          <p:nvGrpSpPr>
+            <p:cNvPr id="10" name="Group 9">
+              <a:extLst>
+                <a:ext uri="{FF2B5EF4-FFF2-40B4-BE49-F238E27FC236}">
+                  <a16:creationId xmlns:a16="http://schemas.microsoft.com/office/drawing/2014/main" id="{4B50CEC8-CABA-5444-AFF2-2F6FDC961020}"/>
+                </a:ext>
+              </a:extLst>
+            </p:cNvPr>
+            <p:cNvGrpSpPr/>
+            <p:nvPr/>
+          </p:nvGrpSpPr>
+          <p:grpSpPr>
+            <a:xfrm>
+              <a:off x="6559594" y="179508"/>
+              <a:ext cx="4923065" cy="2965701"/>
+              <a:chOff x="6559594" y="179508"/>
+              <a:chExt cx="4923065" cy="2965701"/>
+            </a:xfrm>
+            <a:solidFill>
+              <a:srgbClr val="FFF2DB"/>
+            </a:solidFill>
+          </p:grpSpPr>
+          <p:sp>
+            <p:nvSpPr>
+              <p:cNvPr id="25" name="Rounded Rectangle 24">
+                <a:extLst>
+                  <a:ext uri="{FF2B5EF4-FFF2-40B4-BE49-F238E27FC236}">
+                    <a16:creationId xmlns:a16="http://schemas.microsoft.com/office/drawing/2014/main" id="{89A4CA74-8CD8-9A4B-BAD6-BB9532062FE6}"/>
+                  </a:ext>
+                </a:extLst>
+              </p:cNvPr>
+              <p:cNvSpPr/>
+              <p:nvPr/>
+            </p:nvSpPr>
+            <p:spPr>
+              <a:xfrm>
+                <a:off x="6559594" y="179508"/>
+                <a:ext cx="4923065" cy="2965701"/>
+              </a:xfrm>
+              <a:prstGeom prst="roundRect">
+                <a:avLst>
+                  <a:gd name="adj" fmla="val 9538"/>
+                </a:avLst>
+              </a:prstGeom>
+              <a:grpFill/>
+              <a:ln w="38100"/>
+            </p:spPr>
+            <p:style>
+              <a:lnRef idx="2">
+                <a:schemeClr val="accent1">
+                  <a:shade val="50000"/>
+                </a:schemeClr>
+              </a:lnRef>
+              <a:fillRef idx="1">
+                <a:schemeClr val="accent1"/>
+              </a:fillRef>
+              <a:effectRef idx="0">
+                <a:schemeClr val="accent1"/>
+              </a:effectRef>
+              <a:fontRef idx="minor">
+                <a:schemeClr val="lt1"/>
+              </a:fontRef>
+            </p:style>
+            <p:txBody>
+              <a:bodyPr rtlCol="0" anchor="ctr"/>
+              <a:lstStyle/>
+              <a:p>
+                <a:pPr algn="ctr"/>
+                <a:endParaRPr lang="en-AE" sz="1200"/>
+              </a:p>
+            </p:txBody>
+          </p:sp>
+          <p:sp>
+            <p:nvSpPr>
+              <p:cNvPr id="43" name="Moon 42">
+                <a:extLst>
+                  <a:ext uri="{FF2B5EF4-FFF2-40B4-BE49-F238E27FC236}">
+                    <a16:creationId xmlns:a16="http://schemas.microsoft.com/office/drawing/2014/main" id="{CC698EAE-AAFC-0D43-85C0-2523EF73297A}"/>
+                  </a:ext>
+                </a:extLst>
+              </p:cNvPr>
+              <p:cNvSpPr/>
+              <p:nvPr/>
+            </p:nvSpPr>
+            <p:spPr>
+              <a:xfrm rot="10800000">
+                <a:off x="8401079" y="551253"/>
+                <a:ext cx="2358248" cy="2368734"/>
+              </a:xfrm>
+              <a:prstGeom prst="moon">
+                <a:avLst>
+                  <a:gd name="adj" fmla="val 57942"/>
+                </a:avLst>
+              </a:prstGeom>
+              <a:grpFill/>
+              <a:ln>
+                <a:noFill/>
+              </a:ln>
+            </p:spPr>
+            <p:style>
+              <a:lnRef idx="2">
+                <a:schemeClr val="accent1">
+                  <a:shade val="50000"/>
+                </a:schemeClr>
+              </a:lnRef>
+              <a:fillRef idx="1">
+                <a:schemeClr val="accent1"/>
+              </a:fillRef>
+              <a:effectRef idx="0">
+                <a:schemeClr val="accent1"/>
+              </a:effectRef>
+              <a:fontRef idx="minor">
+                <a:schemeClr val="lt1"/>
+              </a:fontRef>
+            </p:style>
+            <p:txBody>
+              <a:bodyPr rtlCol="0" anchor="ctr"/>
+              <a:lstStyle/>
+              <a:p>
+                <a:pPr algn="ctr"/>
+                <a:endParaRPr lang="en-AE"/>
+              </a:p>
+            </p:txBody>
+          </p:sp>
+          <p:sp>
+            <p:nvSpPr>
+              <p:cNvPr id="8" name="Rectangle 7">
+                <a:extLst>
+                  <a:ext uri="{FF2B5EF4-FFF2-40B4-BE49-F238E27FC236}">
+                    <a16:creationId xmlns:a16="http://schemas.microsoft.com/office/drawing/2014/main" id="{4EC79DA8-982E-F44A-9972-97D948D6C87E}"/>
+                  </a:ext>
+                </a:extLst>
+              </p:cNvPr>
+              <p:cNvSpPr/>
+              <p:nvPr/>
+            </p:nvSpPr>
+            <p:spPr>
+              <a:xfrm rot="1327328">
+                <a:off x="8514716" y="810416"/>
+                <a:ext cx="167044" cy="157816"/>
+              </a:xfrm>
+              <a:prstGeom prst="rect">
+                <a:avLst/>
+              </a:prstGeom>
+              <a:grpFill/>
+              <a:ln>
+                <a:noFill/>
+              </a:ln>
+            </p:spPr>
+            <p:style>
+              <a:lnRef idx="2">
+                <a:schemeClr val="accent1">
+                  <a:shade val="50000"/>
+                </a:schemeClr>
+              </a:lnRef>
+              <a:fillRef idx="1">
+                <a:schemeClr val="accent1"/>
+              </a:fillRef>
+              <a:effectRef idx="0">
+                <a:schemeClr val="accent1"/>
+              </a:effectRef>
+              <a:fontRef idx="minor">
+                <a:schemeClr val="lt1"/>
+              </a:fontRef>
+            </p:style>
+            <p:txBody>
+              <a:bodyPr rtlCol="0" anchor="ctr"/>
+              <a:lstStyle/>
+              <a:p>
+                <a:pPr algn="ctr"/>
+                <a:endParaRPr lang="en-AE"/>
+              </a:p>
+            </p:txBody>
+          </p:sp>
+          <p:sp>
+            <p:nvSpPr>
+              <p:cNvPr id="44" name="Rectangle 43">
+                <a:extLst>
+                  <a:ext uri="{FF2B5EF4-FFF2-40B4-BE49-F238E27FC236}">
+                    <a16:creationId xmlns:a16="http://schemas.microsoft.com/office/drawing/2014/main" id="{D9ED72F7-3606-4F4D-9D86-9F0DFA156BD4}"/>
+                  </a:ext>
+                </a:extLst>
+              </p:cNvPr>
+              <p:cNvSpPr/>
+              <p:nvPr/>
+            </p:nvSpPr>
+            <p:spPr>
+              <a:xfrm rot="9275296">
+                <a:off x="8582957" y="2333385"/>
+                <a:ext cx="167044" cy="157816"/>
+              </a:xfrm>
+              <a:prstGeom prst="rect">
+                <a:avLst/>
+              </a:prstGeom>
+              <a:grpFill/>
+              <a:ln>
+                <a:noFill/>
+              </a:ln>
+            </p:spPr>
+            <p:style>
+              <a:lnRef idx="2">
+                <a:schemeClr val="accent1">
+                  <a:shade val="50000"/>
+                </a:schemeClr>
+              </a:lnRef>
+              <a:fillRef idx="1">
+                <a:schemeClr val="accent1"/>
+              </a:fillRef>
+              <a:effectRef idx="0">
+                <a:schemeClr val="accent1"/>
+              </a:effectRef>
+              <a:fontRef idx="minor">
+                <a:schemeClr val="lt1"/>
+              </a:fontRef>
+            </p:style>
+            <p:txBody>
+              <a:bodyPr rtlCol="0" anchor="ctr"/>
+              <a:lstStyle/>
+              <a:p>
+                <a:pPr algn="ctr"/>
+                <a:endParaRPr lang="en-AE"/>
+              </a:p>
+            </p:txBody>
+          </p:sp>
+        </p:grpSp>
+        <p:sp>
+          <p:nvSpPr>
+            <p:cNvPr id="45" name="Oval 44">
+              <a:extLst>
+                <a:ext uri="{FF2B5EF4-FFF2-40B4-BE49-F238E27FC236}">
+                  <a16:creationId xmlns:a16="http://schemas.microsoft.com/office/drawing/2014/main" id="{49ACC0FB-EA62-F540-850D-5C9596195E65}"/>
+                </a:ext>
+              </a:extLst>
+            </p:cNvPr>
+            <p:cNvSpPr/>
+            <p:nvPr/>
+          </p:nvSpPr>
+          <p:spPr>
+            <a:xfrm>
+              <a:off x="7289156" y="968384"/>
+              <a:ext cx="1797216" cy="1453194"/>
+            </a:xfrm>
+            <a:prstGeom prst="ellipse">
+              <a:avLst/>
+            </a:prstGeom>
+            <a:solidFill>
+              <a:srgbClr val="DAC9E8"/>
+            </a:solidFill>
+          </p:spPr>
+          <p:style>
+            <a:lnRef idx="2">
+              <a:schemeClr val="accent1">
+                <a:shade val="50000"/>
+              </a:schemeClr>
+            </a:lnRef>
+            <a:fillRef idx="1">
+              <a:schemeClr val="accent1"/>
+            </a:fillRef>
+            <a:effectRef idx="0">
+              <a:schemeClr val="accent1"/>
+            </a:effectRef>
+            <a:fontRef idx="minor">
+              <a:schemeClr val="lt1"/>
+            </a:fontRef>
+          </p:style>
+          <p:txBody>
+            <a:bodyPr rtlCol="0" anchor="ctr"/>
+            <a:lstStyle/>
+            <a:p>
+              <a:pPr algn="ctr"/>
+              <a:endParaRPr lang="en-AE" sz="1200" dirty="0"/>
+            </a:p>
+          </p:txBody>
+        </p:sp>
+        <p:sp>
+          <p:nvSpPr>
+            <p:cNvPr id="6" name="Oval 5">
+              <a:extLst>
+                <a:ext uri="{FF2B5EF4-FFF2-40B4-BE49-F238E27FC236}">
+                  <a16:creationId xmlns:a16="http://schemas.microsoft.com/office/drawing/2014/main" id="{7740A876-D8A4-9F4B-A42D-E654AD375A77}"/>
+                </a:ext>
+              </a:extLst>
+            </p:cNvPr>
+            <p:cNvSpPr/>
+            <p:nvPr/>
+          </p:nvSpPr>
+          <p:spPr>
+            <a:xfrm>
+              <a:off x="1438903" y="968384"/>
+              <a:ext cx="1797216" cy="1453194"/>
+            </a:xfrm>
+            <a:prstGeom prst="ellipse">
+              <a:avLst/>
+            </a:prstGeom>
+            <a:solidFill>
+              <a:srgbClr val="7030A0">
+                <a:alpha val="25882"/>
+              </a:srgbClr>
+            </a:solidFill>
+          </p:spPr>
+          <p:style>
+            <a:lnRef idx="2">
+              <a:schemeClr val="accent1">
+                <a:shade val="50000"/>
+              </a:schemeClr>
+            </a:lnRef>
+            <a:fillRef idx="1">
+              <a:schemeClr val="accent1"/>
+            </a:fillRef>
+            <a:effectRef idx="0">
+              <a:schemeClr val="accent1"/>
+            </a:effectRef>
+            <a:fontRef idx="minor">
+              <a:schemeClr val="lt1"/>
+            </a:fontRef>
+          </p:style>
+          <p:txBody>
+            <a:bodyPr rtlCol="0" anchor="ctr"/>
+            <a:lstStyle/>
+            <a:p>
+              <a:pPr algn="ctr"/>
+              <a:endParaRPr lang="en-AE" sz="1200" dirty="0"/>
+            </a:p>
+          </p:txBody>
+        </p:sp>
+        <p:sp>
+          <p:nvSpPr>
+            <p:cNvPr id="34" name="TextBox 33">
+              <a:extLst>
+                <a:ext uri="{FF2B5EF4-FFF2-40B4-BE49-F238E27FC236}">
+                  <a16:creationId xmlns:a16="http://schemas.microsoft.com/office/drawing/2014/main" id="{E73A0D74-3181-EC4C-AD6D-F30E2E42CEA0}"/>
+                </a:ext>
+              </a:extLst>
+            </p:cNvPr>
+            <p:cNvSpPr txBox="1"/>
+            <p:nvPr/>
+          </p:nvSpPr>
+          <p:spPr>
+            <a:xfrm>
+              <a:off x="7263288" y="1429631"/>
+              <a:ext cx="1403192" cy="400110"/>
+            </a:xfrm>
+            <a:prstGeom prst="rect">
+              <a:avLst/>
+            </a:prstGeom>
+            <a:noFill/>
+          </p:spPr>
+          <p:txBody>
+            <a:bodyPr wrap="square" rtlCol="0">
+              <a:spAutoFit/>
+            </a:bodyPr>
+            <a:lstStyle/>
+            <a:p>
+              <a:r>
+                <a:rPr lang="en-AE" sz="2000" b="1" i="1" dirty="0"/>
+                <a:t>A NOT B</a:t>
+              </a:r>
+            </a:p>
+          </p:txBody>
+        </p:sp>
+        <p:sp>
+          <p:nvSpPr>
+            <p:cNvPr id="38" name="TextBox 37">
+              <a:extLst>
+                <a:ext uri="{FF2B5EF4-FFF2-40B4-BE49-F238E27FC236}">
+                  <a16:creationId xmlns:a16="http://schemas.microsoft.com/office/drawing/2014/main" id="{6AAE354C-003F-8548-A5DE-71DE3301C181}"/>
+                </a:ext>
+              </a:extLst>
+            </p:cNvPr>
+            <p:cNvSpPr txBox="1"/>
+            <p:nvPr/>
+          </p:nvSpPr>
+          <p:spPr>
+            <a:xfrm>
+              <a:off x="7452412" y="1687305"/>
+              <a:ext cx="797320" cy="400110"/>
+            </a:xfrm>
+            <a:prstGeom prst="rect">
+              <a:avLst/>
+            </a:prstGeom>
+            <a:noFill/>
+          </p:spPr>
+          <p:txBody>
+            <a:bodyPr wrap="square" rtlCol="0">
+              <a:spAutoFit/>
+            </a:bodyPr>
+            <a:lstStyle/>
+            <a:p>
+              <a:r>
+                <a:rPr lang="en-US" sz="2000" b="1" i="1" dirty="0">
+                  <a:solidFill>
+                    <a:srgbClr val="FF0000"/>
+                  </a:solidFill>
+                </a:rPr>
+                <a:t>A </a:t>
+              </a:r>
+              <a:r>
+                <a:rPr lang="en-AE" sz="2000" b="1" i="1">
+                  <a:solidFill>
+                    <a:srgbClr val="FF0000"/>
+                  </a:solidFill>
+                </a:rPr>
+                <a:t>- </a:t>
+              </a:r>
+              <a:r>
+                <a:rPr lang="en-AE" sz="2000" b="1">
+                  <a:solidFill>
+                    <a:srgbClr val="FF0000"/>
+                  </a:solidFill>
+                  <a:latin typeface="APPLE CHANCERY" panose="03020702040506060504" pitchFamily="66" charset="-79"/>
+                  <a:cs typeface="APPLE CHANCERY" panose="03020702040506060504" pitchFamily="66" charset="-79"/>
+                </a:rPr>
+                <a:t>x</a:t>
+              </a:r>
+              <a:endParaRPr lang="en-AE" sz="2000" b="1" i="1" dirty="0">
+                <a:solidFill>
+                  <a:srgbClr val="FF0000"/>
+                </a:solidFill>
+              </a:endParaRPr>
+            </a:p>
+          </p:txBody>
+        </p:sp>
+        <p:sp>
+          <p:nvSpPr>
+            <p:cNvPr id="3" name="Moon 2">
+              <a:extLst>
+                <a:ext uri="{FF2B5EF4-FFF2-40B4-BE49-F238E27FC236}">
+                  <a16:creationId xmlns:a16="http://schemas.microsoft.com/office/drawing/2014/main" id="{A84F7814-C367-8D4B-8B0C-871E3DAE6057}"/>
+                </a:ext>
+              </a:extLst>
+            </p:cNvPr>
+            <p:cNvSpPr/>
+            <p:nvPr/>
+          </p:nvSpPr>
+          <p:spPr>
+            <a:xfrm>
+              <a:off x="1055955" y="902484"/>
+              <a:ext cx="1716630" cy="1564074"/>
+            </a:xfrm>
+            <a:prstGeom prst="moon">
+              <a:avLst>
+                <a:gd name="adj" fmla="val 77308"/>
+              </a:avLst>
+            </a:prstGeom>
+            <a:solidFill>
+              <a:srgbClr val="F9F8F9"/>
+            </a:solidFill>
+            <a:ln>
+              <a:noFill/>
+            </a:ln>
+          </p:spPr>
+          <p:style>
+            <a:lnRef idx="2">
+              <a:schemeClr val="accent1">
+                <a:shade val="50000"/>
+              </a:schemeClr>
+            </a:lnRef>
+            <a:fillRef idx="1">
+              <a:schemeClr val="accent1"/>
+            </a:fillRef>
+            <a:effectRef idx="0">
+              <a:schemeClr val="accent1"/>
+            </a:effectRef>
+            <a:fontRef idx="minor">
+              <a:schemeClr val="lt1"/>
+            </a:fontRef>
+          </p:style>
+          <p:txBody>
+            <a:bodyPr rtlCol="0" anchor="ctr"/>
+            <a:lstStyle/>
+            <a:p>
+              <a:pPr algn="ctr"/>
+              <a:endParaRPr lang="en-AE"/>
+            </a:p>
+          </p:txBody>
+        </p:sp>
+        <p:sp>
+          <p:nvSpPr>
+            <p:cNvPr id="40" name="Moon 39">
+              <a:extLst>
+                <a:ext uri="{FF2B5EF4-FFF2-40B4-BE49-F238E27FC236}">
+                  <a16:creationId xmlns:a16="http://schemas.microsoft.com/office/drawing/2014/main" id="{DC46ED33-EDDE-1646-981C-E4D857075892}"/>
+                </a:ext>
+              </a:extLst>
+            </p:cNvPr>
+            <p:cNvSpPr/>
+            <p:nvPr/>
+          </p:nvSpPr>
+          <p:spPr>
+            <a:xfrm>
+              <a:off x="1368039" y="790442"/>
+              <a:ext cx="1764676" cy="1785352"/>
+            </a:xfrm>
+            <a:prstGeom prst="moon">
+              <a:avLst>
+                <a:gd name="adj" fmla="val 58135"/>
+              </a:avLst>
+            </a:prstGeom>
+            <a:solidFill>
+              <a:srgbClr val="F9F8F9"/>
+            </a:solidFill>
+            <a:ln>
+              <a:noFill/>
+            </a:ln>
+          </p:spPr>
+          <p:style>
+            <a:lnRef idx="2">
+              <a:schemeClr val="accent1">
+                <a:shade val="50000"/>
+              </a:schemeClr>
+            </a:lnRef>
+            <a:fillRef idx="1">
+              <a:schemeClr val="accent1"/>
+            </a:fillRef>
+            <a:effectRef idx="0">
+              <a:schemeClr val="accent1"/>
+            </a:effectRef>
+            <a:fontRef idx="minor">
+              <a:schemeClr val="lt1"/>
+            </a:fontRef>
+          </p:style>
+          <p:txBody>
+            <a:bodyPr rtlCol="0" anchor="ctr"/>
+            <a:lstStyle/>
+            <a:p>
+              <a:pPr algn="ctr"/>
+              <a:endParaRPr lang="en-AE"/>
+            </a:p>
+          </p:txBody>
+        </p:sp>
+        <p:sp>
+          <p:nvSpPr>
+            <p:cNvPr id="13" name="TextBox 12">
+              <a:extLst>
+                <a:ext uri="{FF2B5EF4-FFF2-40B4-BE49-F238E27FC236}">
+                  <a16:creationId xmlns:a16="http://schemas.microsoft.com/office/drawing/2014/main" id="{A6350C18-C5E3-D64E-B8C2-EF23EE4495CD}"/>
+                </a:ext>
+              </a:extLst>
+            </p:cNvPr>
+            <p:cNvSpPr txBox="1"/>
+            <p:nvPr/>
+          </p:nvSpPr>
+          <p:spPr>
+            <a:xfrm>
+              <a:off x="2413724" y="1411799"/>
+              <a:ext cx="993422" cy="523220"/>
+            </a:xfrm>
+            <a:prstGeom prst="rect">
+              <a:avLst/>
+            </a:prstGeom>
+            <a:noFill/>
+          </p:spPr>
+          <p:txBody>
+            <a:bodyPr wrap="square" rtlCol="0">
+              <a:spAutoFit/>
+            </a:bodyPr>
+            <a:lstStyle/>
+            <a:p>
+              <a:r>
+                <a:rPr lang="en-AE" sz="2800" b="1" i="1" dirty="0"/>
+                <a:t>A∩B</a:t>
+              </a:r>
+            </a:p>
+          </p:txBody>
+        </p:sp>
+        <p:sp>
+          <p:nvSpPr>
+            <p:cNvPr id="14" name="TextBox 13">
+              <a:extLst>
+                <a:ext uri="{FF2B5EF4-FFF2-40B4-BE49-F238E27FC236}">
+                  <a16:creationId xmlns:a16="http://schemas.microsoft.com/office/drawing/2014/main" id="{3D421BD7-CA8D-904D-8BC5-A1E05C37D850}"/>
+                </a:ext>
+              </a:extLst>
+            </p:cNvPr>
+            <p:cNvSpPr txBox="1"/>
+            <p:nvPr/>
+          </p:nvSpPr>
+          <p:spPr>
+            <a:xfrm>
+              <a:off x="3553871" y="1428910"/>
+              <a:ext cx="321661" cy="523220"/>
+            </a:xfrm>
+            <a:prstGeom prst="rect">
+              <a:avLst/>
+            </a:prstGeom>
+            <a:noFill/>
+          </p:spPr>
+          <p:txBody>
+            <a:bodyPr wrap="square" rtlCol="0">
+              <a:spAutoFit/>
+            </a:bodyPr>
+            <a:lstStyle/>
+            <a:p>
+              <a:r>
+                <a:rPr lang="en-AE" sz="2800" b="1" i="1" dirty="0"/>
+                <a:t>B</a:t>
+              </a:r>
+            </a:p>
+          </p:txBody>
+        </p:sp>
+        <p:sp>
+          <p:nvSpPr>
+            <p:cNvPr id="18" name="TextBox 17">
+              <a:extLst>
+                <a:ext uri="{FF2B5EF4-FFF2-40B4-BE49-F238E27FC236}">
+                  <a16:creationId xmlns:a16="http://schemas.microsoft.com/office/drawing/2014/main" id="{C204DE20-3BE1-6843-82B8-8A80FC74B90C}"/>
+                </a:ext>
+              </a:extLst>
+            </p:cNvPr>
+            <p:cNvSpPr txBox="1"/>
+            <p:nvPr/>
+          </p:nvSpPr>
+          <p:spPr>
+            <a:xfrm>
+              <a:off x="2649183" y="1757157"/>
+              <a:ext cx="335346" cy="400110"/>
+            </a:xfrm>
+            <a:prstGeom prst="rect">
+              <a:avLst/>
+            </a:prstGeom>
+            <a:noFill/>
+          </p:spPr>
+          <p:txBody>
+            <a:bodyPr wrap="square" rtlCol="0">
+              <a:spAutoFit/>
+            </a:bodyPr>
+            <a:lstStyle/>
+            <a:p>
+              <a:r>
+                <a:rPr lang="en-AE" sz="2000" b="1">
+                  <a:solidFill>
+                    <a:srgbClr val="FF0000"/>
+                  </a:solidFill>
+                  <a:latin typeface="APPLE CHANCERY" panose="03020702040506060504" pitchFamily="66" charset="-79"/>
+                  <a:cs typeface="APPLE CHANCERY" panose="03020702040506060504" pitchFamily="66" charset="-79"/>
+                </a:rPr>
+                <a:t>x</a:t>
+              </a:r>
+              <a:endParaRPr lang="en-AE" sz="2000" b="1" i="1" dirty="0">
+                <a:solidFill>
+                  <a:srgbClr val="FF0000"/>
+                </a:solidFill>
+              </a:endParaRPr>
+            </a:p>
+          </p:txBody>
+        </p:sp>
+        <p:sp>
+          <p:nvSpPr>
+            <p:cNvPr id="35" name="TextBox 34">
+              <a:extLst>
+                <a:ext uri="{FF2B5EF4-FFF2-40B4-BE49-F238E27FC236}">
+                  <a16:creationId xmlns:a16="http://schemas.microsoft.com/office/drawing/2014/main" id="{FE1C1F18-60FC-F146-9D67-5291E3C6302C}"/>
+                </a:ext>
+              </a:extLst>
+            </p:cNvPr>
+            <p:cNvSpPr txBox="1"/>
+            <p:nvPr/>
+          </p:nvSpPr>
+          <p:spPr>
+            <a:xfrm>
+              <a:off x="10256916" y="653871"/>
+              <a:ext cx="962424" cy="400110"/>
+            </a:xfrm>
+            <a:prstGeom prst="rect">
+              <a:avLst/>
+            </a:prstGeom>
+            <a:noFill/>
+          </p:spPr>
+          <p:txBody>
+            <a:bodyPr wrap="square" rtlCol="0">
+              <a:spAutoFit/>
+            </a:bodyPr>
+            <a:lstStyle/>
+            <a:p>
+              <a:r>
+                <a:rPr lang="en-AE" sz="2000" b="1" i="1" dirty="0">
+                  <a:solidFill>
+                    <a:srgbClr val="FF0000"/>
+                  </a:solidFill>
+                </a:rPr>
+                <a:t>N </a:t>
+              </a:r>
+              <a:r>
+                <a:rPr lang="en-AE" sz="2000" b="1" i="1">
+                  <a:solidFill>
+                    <a:srgbClr val="FF0000"/>
+                  </a:solidFill>
+                </a:rPr>
+                <a:t>- </a:t>
+              </a:r>
+              <a:r>
+                <a:rPr lang="en-US" sz="2000" b="1" i="1" dirty="0">
+                  <a:solidFill>
+                    <a:srgbClr val="FF0000"/>
+                  </a:solidFill>
+                </a:rPr>
+                <a:t>B</a:t>
+              </a:r>
+              <a:endParaRPr lang="en-AE" sz="2000" b="1" i="1" dirty="0">
+                <a:solidFill>
+                  <a:srgbClr val="FF0000"/>
+                </a:solidFill>
+              </a:endParaRPr>
+            </a:p>
+          </p:txBody>
+        </p:sp>
+        <p:sp>
+          <p:nvSpPr>
+            <p:cNvPr id="41" name="TextBox 40">
+              <a:extLst>
+                <a:ext uri="{FF2B5EF4-FFF2-40B4-BE49-F238E27FC236}">
+                  <a16:creationId xmlns:a16="http://schemas.microsoft.com/office/drawing/2014/main" id="{B11203E0-C41D-0D43-BE52-148D42F85DAD}"/>
+                </a:ext>
+              </a:extLst>
+            </p:cNvPr>
+            <p:cNvSpPr txBox="1"/>
+            <p:nvPr/>
+          </p:nvSpPr>
+          <p:spPr>
+            <a:xfrm>
+              <a:off x="9962290" y="324681"/>
+              <a:ext cx="1849561" cy="461665"/>
+            </a:xfrm>
+            <a:prstGeom prst="rect">
+              <a:avLst/>
+            </a:prstGeom>
+            <a:noFill/>
+          </p:spPr>
+          <p:txBody>
+            <a:bodyPr wrap="square" rtlCol="0">
+              <a:spAutoFit/>
+            </a:bodyPr>
+            <a:lstStyle/>
+            <a:p>
+              <a:r>
+                <a:rPr lang="en-AE" sz="2400" b="1" i="1" dirty="0"/>
+                <a:t>N NOT B</a:t>
+              </a:r>
+            </a:p>
+          </p:txBody>
+        </p:sp>
+        <p:sp>
+          <p:nvSpPr>
+            <p:cNvPr id="9" name="TextBox 8">
+              <a:extLst>
+                <a:ext uri="{FF2B5EF4-FFF2-40B4-BE49-F238E27FC236}">
+                  <a16:creationId xmlns:a16="http://schemas.microsoft.com/office/drawing/2014/main" id="{E32C92DA-7BEA-4744-AD82-669B262D8075}"/>
+                </a:ext>
+              </a:extLst>
+            </p:cNvPr>
+            <p:cNvSpPr txBox="1"/>
+            <p:nvPr/>
+          </p:nvSpPr>
+          <p:spPr>
+            <a:xfrm>
+              <a:off x="5910471" y="1457741"/>
+              <a:ext cx="439544" cy="707886"/>
+            </a:xfrm>
+            <a:prstGeom prst="rect">
+              <a:avLst/>
+            </a:prstGeom>
+            <a:noFill/>
+          </p:spPr>
+          <p:txBody>
+            <a:bodyPr wrap="none" rtlCol="0">
+              <a:spAutoFit/>
+            </a:bodyPr>
+            <a:lstStyle/>
+            <a:p>
+              <a:r>
+                <a:rPr lang="en-AE" sz="4000" dirty="0"/>
+                <a:t>*</a:t>
+              </a:r>
+            </a:p>
+          </p:txBody>
+        </p:sp>
+        <p:cxnSp>
+          <p:nvCxnSpPr>
+            <p:cNvPr id="16" name="Straight Connector 15">
+              <a:extLst>
+                <a:ext uri="{FF2B5EF4-FFF2-40B4-BE49-F238E27FC236}">
+                  <a16:creationId xmlns:a16="http://schemas.microsoft.com/office/drawing/2014/main" id="{5A1D55D0-D06B-DF48-8507-7C71CCA014A4}"/>
+                </a:ext>
+              </a:extLst>
+            </p:cNvPr>
+            <p:cNvCxnSpPr>
+              <a:cxnSpLocks/>
+            </p:cNvCxnSpPr>
+            <p:nvPr/>
+          </p:nvCxnSpPr>
+          <p:spPr>
+            <a:xfrm>
+              <a:off x="503583" y="3429000"/>
+              <a:ext cx="11171582" cy="0"/>
+            </a:xfrm>
+            <a:prstGeom prst="line">
+              <a:avLst/>
+            </a:prstGeom>
+            <a:ln w="38100">
+              <a:solidFill>
+                <a:schemeClr val="tx1"/>
+              </a:solidFill>
+            </a:ln>
+          </p:spPr>
+          <p:style>
+            <a:lnRef idx="1">
+              <a:schemeClr val="accent1"/>
+            </a:lnRef>
+            <a:fillRef idx="0">
+              <a:schemeClr val="accent1"/>
+            </a:fillRef>
+            <a:effectRef idx="0">
+              <a:schemeClr val="accent1"/>
+            </a:effectRef>
+            <a:fontRef idx="minor">
+              <a:schemeClr val="tx1"/>
+            </a:fontRef>
+          </p:style>
+        </p:cxnSp>
+        <p:sp>
+          <p:nvSpPr>
+            <p:cNvPr id="47" name="Rounded Rectangle 46">
+              <a:extLst>
+                <a:ext uri="{FF2B5EF4-FFF2-40B4-BE49-F238E27FC236}">
+                  <a16:creationId xmlns:a16="http://schemas.microsoft.com/office/drawing/2014/main" id="{84359B15-244E-F146-8970-4529BE205688}"/>
+                </a:ext>
+              </a:extLst>
+            </p:cNvPr>
+            <p:cNvSpPr/>
+            <p:nvPr/>
+          </p:nvSpPr>
+          <p:spPr>
+            <a:xfrm>
+              <a:off x="3642686" y="3684951"/>
+              <a:ext cx="4923065" cy="2965701"/>
+            </a:xfrm>
+            <a:prstGeom prst="roundRect">
+              <a:avLst>
+                <a:gd name="adj" fmla="val 9538"/>
+              </a:avLst>
+            </a:prstGeom>
+            <a:solidFill>
+              <a:srgbClr val="FFF2DB"/>
+            </a:solidFill>
+            <a:ln w="38100"/>
+          </p:spPr>
+          <p:style>
+            <a:lnRef idx="2">
+              <a:schemeClr val="accent1">
+                <a:shade val="50000"/>
+              </a:schemeClr>
+            </a:lnRef>
+            <a:fillRef idx="1">
+              <a:schemeClr val="accent1"/>
+            </a:fillRef>
+            <a:effectRef idx="0">
+              <a:schemeClr val="accent1"/>
+            </a:effectRef>
+            <a:fontRef idx="minor">
+              <a:schemeClr val="lt1"/>
+            </a:fontRef>
+          </p:style>
+          <p:txBody>
+            <a:bodyPr rtlCol="0" anchor="ctr"/>
+            <a:lstStyle/>
+            <a:p>
+              <a:pPr algn="ctr"/>
+              <a:endParaRPr lang="en-AE" sz="1200"/>
+            </a:p>
+          </p:txBody>
+        </p:sp>
+        <p:sp>
+          <p:nvSpPr>
+            <p:cNvPr id="48" name="Oval 47">
+              <a:extLst>
+                <a:ext uri="{FF2B5EF4-FFF2-40B4-BE49-F238E27FC236}">
+                  <a16:creationId xmlns:a16="http://schemas.microsoft.com/office/drawing/2014/main" id="{BA7818FE-953C-D747-8085-806AD6B7BB2F}"/>
+                </a:ext>
+              </a:extLst>
+            </p:cNvPr>
+            <p:cNvSpPr/>
+            <p:nvPr/>
+          </p:nvSpPr>
+          <p:spPr>
+            <a:xfrm>
+              <a:off x="4372248" y="4473827"/>
+              <a:ext cx="1797216" cy="1453194"/>
+            </a:xfrm>
+            <a:prstGeom prst="ellipse">
+              <a:avLst/>
+            </a:prstGeom>
+            <a:solidFill>
+              <a:srgbClr val="DAC9E8"/>
+            </a:solidFill>
+          </p:spPr>
+          <p:style>
+            <a:lnRef idx="2">
+              <a:schemeClr val="accent1">
+                <a:shade val="50000"/>
+              </a:schemeClr>
+            </a:lnRef>
+            <a:fillRef idx="1">
+              <a:schemeClr val="accent1"/>
+            </a:fillRef>
+            <a:effectRef idx="0">
+              <a:schemeClr val="accent1"/>
+            </a:effectRef>
+            <a:fontRef idx="minor">
+              <a:schemeClr val="lt1"/>
+            </a:fontRef>
+          </p:style>
+          <p:txBody>
+            <a:bodyPr rtlCol="0" anchor="ctr"/>
+            <a:lstStyle/>
+            <a:p>
+              <a:pPr algn="ctr"/>
+              <a:endParaRPr lang="en-AE" sz="1200" dirty="0"/>
+            </a:p>
+          </p:txBody>
+        </p:sp>
+        <p:sp>
+          <p:nvSpPr>
+            <p:cNvPr id="56" name="TextBox 55">
+              <a:extLst>
+                <a:ext uri="{FF2B5EF4-FFF2-40B4-BE49-F238E27FC236}">
+                  <a16:creationId xmlns:a16="http://schemas.microsoft.com/office/drawing/2014/main" id="{3532599E-D632-C843-98AE-FB5FCAD0E435}"/>
+                </a:ext>
+              </a:extLst>
+            </p:cNvPr>
+            <p:cNvSpPr txBox="1"/>
+            <p:nvPr/>
+          </p:nvSpPr>
+          <p:spPr>
+            <a:xfrm>
+              <a:off x="7782006" y="4934097"/>
+              <a:ext cx="421910" cy="523220"/>
+            </a:xfrm>
+            <a:prstGeom prst="rect">
+              <a:avLst/>
+            </a:prstGeom>
+            <a:noFill/>
+          </p:spPr>
+          <p:txBody>
+            <a:bodyPr wrap="none" rtlCol="0">
+              <a:spAutoFit/>
+            </a:bodyPr>
+            <a:lstStyle/>
+            <a:p>
+              <a:r>
+                <a:rPr lang="en-AE" sz="2800" b="1" i="1" dirty="0"/>
+                <a:t>N</a:t>
+              </a:r>
+            </a:p>
+          </p:txBody>
+        </p:sp>
+        <p:sp>
+          <p:nvSpPr>
+            <p:cNvPr id="57" name="TextBox 56">
+              <a:extLst>
+                <a:ext uri="{FF2B5EF4-FFF2-40B4-BE49-F238E27FC236}">
+                  <a16:creationId xmlns:a16="http://schemas.microsoft.com/office/drawing/2014/main" id="{F5A0576A-4CB0-5B43-B297-C96ED9234FD4}"/>
+                </a:ext>
+              </a:extLst>
+            </p:cNvPr>
+            <p:cNvSpPr txBox="1"/>
+            <p:nvPr/>
+          </p:nvSpPr>
+          <p:spPr>
+            <a:xfrm>
+              <a:off x="5023667" y="4919041"/>
+              <a:ext cx="402674" cy="523220"/>
+            </a:xfrm>
+            <a:prstGeom prst="rect">
+              <a:avLst/>
+            </a:prstGeom>
+            <a:noFill/>
+          </p:spPr>
+          <p:txBody>
+            <a:bodyPr wrap="none" rtlCol="0">
+              <a:spAutoFit/>
+            </a:bodyPr>
+            <a:lstStyle/>
+            <a:p>
+              <a:r>
+                <a:rPr lang="en-AE" sz="2800" b="1" i="1" dirty="0"/>
+                <a:t>A</a:t>
+              </a:r>
+            </a:p>
+          </p:txBody>
+        </p:sp>
+        <p:sp>
+          <p:nvSpPr>
+            <p:cNvPr id="63" name="Oval 62">
+              <a:extLst>
+                <a:ext uri="{FF2B5EF4-FFF2-40B4-BE49-F238E27FC236}">
+                  <a16:creationId xmlns:a16="http://schemas.microsoft.com/office/drawing/2014/main" id="{60BD0F42-7A9F-B44C-BBB2-3B2D986D9482}"/>
+                </a:ext>
+              </a:extLst>
+            </p:cNvPr>
+            <p:cNvSpPr/>
+            <p:nvPr/>
+          </p:nvSpPr>
+          <p:spPr>
+            <a:xfrm>
+              <a:off x="8284178" y="784772"/>
+              <a:ext cx="2298419" cy="1785352"/>
+            </a:xfrm>
+            <a:prstGeom prst="ellipse">
+              <a:avLst/>
+            </a:prstGeom>
+            <a:solidFill>
+              <a:srgbClr val="F9F8F9"/>
+            </a:solidFill>
+            <a:ln>
+              <a:solidFill>
+                <a:schemeClr val="bg2">
+                  <a:lumMod val="75000"/>
+                </a:schemeClr>
+              </a:solidFill>
+            </a:ln>
+          </p:spPr>
+          <p:style>
+            <a:lnRef idx="2">
+              <a:schemeClr val="accent1">
+                <a:shade val="50000"/>
+              </a:schemeClr>
+            </a:lnRef>
+            <a:fillRef idx="1">
+              <a:schemeClr val="accent1"/>
+            </a:fillRef>
+            <a:effectRef idx="0">
+              <a:schemeClr val="accent1"/>
+            </a:effectRef>
+            <a:fontRef idx="minor">
+              <a:schemeClr val="lt1"/>
+            </a:fontRef>
+          </p:style>
+          <p:txBody>
+            <a:bodyPr rtlCol="0" anchor="ctr"/>
+            <a:lstStyle/>
+            <a:p>
+              <a:pPr algn="ctr"/>
+              <a:r>
+                <a:rPr lang="en-AE" sz="2400" i="1" dirty="0">
+                  <a:solidFill>
+                    <a:schemeClr val="bg2">
+                      <a:lumMod val="75000"/>
+                    </a:schemeClr>
+                  </a:solidFill>
+                </a:rPr>
+                <a:t>B</a:t>
+              </a:r>
+              <a:endParaRPr lang="en-AE" sz="1200" i="1" dirty="0">
+                <a:solidFill>
+                  <a:schemeClr val="bg2">
+                    <a:lumMod val="75000"/>
+                  </a:schemeClr>
+                </a:solidFill>
+              </a:endParaRPr>
+            </a:p>
+          </p:txBody>
+        </p:sp>
+        <p:sp>
+          <p:nvSpPr>
+            <p:cNvPr id="36" name="Oval 35">
+              <a:extLst>
+                <a:ext uri="{FF2B5EF4-FFF2-40B4-BE49-F238E27FC236}">
+                  <a16:creationId xmlns:a16="http://schemas.microsoft.com/office/drawing/2014/main" id="{1436C8D1-0E85-9047-95C7-843A63E44BDA}"/>
+                </a:ext>
+              </a:extLst>
+            </p:cNvPr>
+            <p:cNvSpPr/>
+            <p:nvPr/>
+          </p:nvSpPr>
+          <p:spPr>
+            <a:xfrm>
+              <a:off x="2393891" y="791666"/>
+              <a:ext cx="2298419" cy="1785352"/>
+            </a:xfrm>
+            <a:prstGeom prst="ellipse">
+              <a:avLst/>
+            </a:prstGeom>
+            <a:solidFill>
+              <a:srgbClr val="FDB788">
+                <a:alpha val="25098"/>
+              </a:srgbClr>
+            </a:solidFill>
+          </p:spPr>
+          <p:style>
+            <a:lnRef idx="2">
+              <a:schemeClr val="accent1">
+                <a:shade val="50000"/>
+              </a:schemeClr>
+            </a:lnRef>
+            <a:fillRef idx="1">
+              <a:schemeClr val="accent1"/>
+            </a:fillRef>
+            <a:effectRef idx="0">
+              <a:schemeClr val="accent1"/>
+            </a:effectRef>
+            <a:fontRef idx="minor">
+              <a:schemeClr val="lt1"/>
+            </a:fontRef>
+          </p:style>
+          <p:txBody>
+            <a:bodyPr rtlCol="0" anchor="ctr"/>
+            <a:lstStyle/>
+            <a:p>
+              <a:pPr algn="ctr"/>
+              <a:endParaRPr lang="en-AE" sz="1200"/>
+            </a:p>
+          </p:txBody>
+        </p:sp>
+      </p:grpSp>
+    </p:spTree>
+    <p:extLst>
+      <p:ext uri="{BB962C8B-B14F-4D97-AF65-F5344CB8AC3E}">
+        <p14:creationId xmlns:p14="http://schemas.microsoft.com/office/powerpoint/2010/main" val="680984122"/>
+      </p:ext>
+    </p:extLst>
+  </p:cSld>
+  <p:clrMapOvr>
+    <a:masterClrMapping/>
+  </p:clrMapOvr>
+</p:sld>
+</file>
+
 <file path=ppt/theme/theme1.xml><?xml version="1.0" encoding="utf-8"?>
 <a:theme xmlns:a="http://schemas.openxmlformats.org/drawingml/2006/main" name="Office Theme">
   <a:themeElements>
